--- a/RezowanaAkter/FinalPresentationCSE465.pptx
+++ b/RezowanaAkter/FinalPresentationCSE465.pptx
@@ -13479,10 +13479,6 @@
               </a:rPr>
               <a:t>Data Visualization</a:t>
             </a:r>
-            <a:endParaRPr lang="en-US" sz="3200" dirty="0">
-              <a:latin typeface="Cambria" panose="02040503050406030204" pitchFamily="18" charset="0"/>
-              <a:ea typeface="Cambria" panose="02040503050406030204" pitchFamily="18" charset="0"/>
-            </a:endParaRPr>
           </a:p>
         </p:txBody>
       </p:sp>
@@ -13611,10 +13607,6 @@
               </a:rPr>
               <a:t>Data Visualization</a:t>
             </a:r>
-            <a:endParaRPr lang="en-US" dirty="0">
-              <a:latin typeface="Cambria" panose="02040503050406030204" pitchFamily="18" charset="0"/>
-              <a:ea typeface="Cambria" panose="02040503050406030204" pitchFamily="18" charset="0"/>
-            </a:endParaRPr>
           </a:p>
         </p:txBody>
       </p:sp>
@@ -13676,10 +13668,6 @@
               </a:rPr>
               <a:t>Data Visualization</a:t>
             </a:r>
-            <a:endParaRPr lang="en-US" dirty="0">
-              <a:latin typeface="Cambria" panose="02040503050406030204" pitchFamily="18" charset="0"/>
-              <a:ea typeface="Cambria" panose="02040503050406030204" pitchFamily="18" charset="0"/>
-            </a:endParaRPr>
           </a:p>
         </p:txBody>
       </p:sp>
@@ -13801,10 +13789,6 @@
               </a:rPr>
               <a:t>Data Visualization</a:t>
             </a:r>
-            <a:endParaRPr lang="en-US" dirty="0">
-              <a:latin typeface="Cambria" panose="02040503050406030204" pitchFamily="18" charset="0"/>
-              <a:ea typeface="Cambria" panose="02040503050406030204" pitchFamily="18" charset="0"/>
-            </a:endParaRPr>
           </a:p>
         </p:txBody>
       </p:sp>
@@ -13954,9 +13938,6 @@
               </a:rPr>
               <a:t>Test set – 20%</a:t>
             </a:r>
-            <a:endParaRPr lang="en-US" sz="2000" spc="-1" dirty="0">
-              <a:latin typeface="Corbel"/>
-            </a:endParaRPr>
           </a:p>
         </p:txBody>
       </p:sp>
@@ -14417,6 +14398,181 @@
           </a:prstGeom>
         </p:spPr>
       </p:pic>
+      <p:sp>
+        <p:nvSpPr>
+          <p:cNvPr id="10" name="TextBox 9"/>
+          <p:cNvSpPr txBox="1"/>
+          <p:nvPr/>
+        </p:nvSpPr>
+        <p:spPr>
+          <a:xfrm>
+            <a:off x="6096000" y="4863887"/>
+            <a:ext cx="4082603" cy="369332"/>
+          </a:xfrm>
+          <a:prstGeom prst="rect">
+            <a:avLst/>
+          </a:prstGeom>
+          <a:noFill/>
+        </p:spPr>
+        <p:txBody>
+          <a:bodyPr wrap="square" rtlCol="0">
+            <a:spAutoFit/>
+          </a:bodyPr>
+          <a:lstStyle/>
+          <a:p>
+            <a:r>
+              <a:rPr lang="en-US" dirty="0" smtClean="0">
+                <a:latin typeface="Cambria" panose="02040503050406030204" pitchFamily="18" charset="0"/>
+                <a:ea typeface="Cambria" panose="02040503050406030204" pitchFamily="18" charset="0"/>
+              </a:rPr>
+              <a:t>Logistic Regression</a:t>
+            </a:r>
+            <a:endParaRPr lang="en-US" dirty="0">
+              <a:latin typeface="Cambria" panose="02040503050406030204" pitchFamily="18" charset="0"/>
+              <a:ea typeface="Cambria" panose="02040503050406030204" pitchFamily="18" charset="0"/>
+            </a:endParaRPr>
+          </a:p>
+        </p:txBody>
+      </p:sp>
+      <p:sp>
+        <p:nvSpPr>
+          <p:cNvPr id="5" name="Rectangle 1"/>
+          <p:cNvSpPr>
+            <a:spLocks noChangeArrowheads="1"/>
+          </p:cNvSpPr>
+          <p:nvPr/>
+        </p:nvSpPr>
+        <p:spPr bwMode="auto">
+          <a:xfrm>
+            <a:off x="6207617" y="5233219"/>
+            <a:ext cx="5400914" cy="615553"/>
+          </a:xfrm>
+          <a:prstGeom prst="rect">
+            <a:avLst/>
+          </a:prstGeom>
+          <a:solidFill>
+            <a:srgbClr val="FFFFFF"/>
+          </a:solidFill>
+          <a:ln>
+            <a:noFill/>
+          </a:ln>
+          <a:effectLst/>
+          <a:extLst>
+            <a:ext uri="{91240B29-F687-4F45-9708-019B960494DF}">
+              <a14:hiddenLine xmlns:a14="http://schemas.microsoft.com/office/drawing/2010/main" w="9525">
+                <a:solidFill>
+                  <a:schemeClr val="tx1"/>
+                </a:solidFill>
+                <a:miter lim="800000"/>
+                <a:headEnd/>
+                <a:tailEnd/>
+              </a14:hiddenLine>
+            </a:ext>
+            <a:ext uri="{AF507438-7753-43E0-B8FC-AC1667EBCBE1}">
+              <a14:hiddenEffects xmlns:a14="http://schemas.microsoft.com/office/drawing/2010/main">
+                <a:effectLst>
+                  <a:outerShdw dist="35921" dir="2700000" algn="ctr" rotWithShape="0">
+                    <a:schemeClr val="bg2"/>
+                  </a:outerShdw>
+                </a:effectLst>
+              </a14:hiddenEffects>
+            </a:ext>
+          </a:extLst>
+        </p:spPr>
+        <p:txBody>
+          <a:bodyPr vert="horz" wrap="square" lIns="0" tIns="0" rIns="0" bIns="0" numCol="1" anchor="ctr" anchorCtr="0" compatLnSpc="1">
+            <a:prstTxWarp prst="textNoShape">
+              <a:avLst/>
+            </a:prstTxWarp>
+            <a:spAutoFit/>
+          </a:bodyPr>
+          <a:lstStyle/>
+          <a:p>
+            <a:pPr marL="0" marR="0" lvl="0" indent="0" algn="l" defTabSz="914400" rtl="0" eaLnBrk="0" fontAlgn="base" latinLnBrk="0" hangingPunct="0">
+              <a:lnSpc>
+                <a:spcPct val="100000"/>
+              </a:lnSpc>
+              <a:spcBef>
+                <a:spcPct val="0"/>
+              </a:spcBef>
+              <a:spcAft>
+                <a:spcPct val="0"/>
+              </a:spcAft>
+              <a:buClrTx/>
+              <a:buSzTx/>
+              <a:buFontTx/>
+              <a:buNone/>
+              <a:tabLst/>
+            </a:pPr>
+            <a:r>
+              <a:rPr kumimoji="0" lang="en-US" sz="2000" b="0" i="0" u="none" strike="noStrike" cap="none" normalizeH="0" baseline="0" dirty="0" smtClean="0">
+                <a:ln>
+                  <a:noFill/>
+                </a:ln>
+                <a:solidFill>
+                  <a:srgbClr val="000000"/>
+                </a:solidFill>
+                <a:effectLst/>
+                <a:latin typeface="Courier New" panose="02070309020205020404" pitchFamily="49" charset="0"/>
+              </a:rPr>
+              <a:t>Training Accuracy 86.72199170124482 </a:t>
+            </a:r>
+          </a:p>
+          <a:p>
+            <a:pPr marL="0" marR="0" lvl="0" indent="0" algn="l" defTabSz="914400" rtl="0" eaLnBrk="0" fontAlgn="base" latinLnBrk="0" hangingPunct="0">
+              <a:lnSpc>
+                <a:spcPct val="100000"/>
+              </a:lnSpc>
+              <a:spcBef>
+                <a:spcPct val="0"/>
+              </a:spcBef>
+              <a:spcAft>
+                <a:spcPct val="0"/>
+              </a:spcAft>
+              <a:buClrTx/>
+              <a:buSzTx/>
+              <a:buFontTx/>
+              <a:buNone/>
+              <a:tabLst/>
+            </a:pPr>
+            <a:r>
+              <a:rPr kumimoji="0" lang="en-US" sz="2000" b="0" i="0" u="none" strike="noStrike" cap="none" normalizeH="0" baseline="0" dirty="0" smtClean="0">
+                <a:ln>
+                  <a:noFill/>
+                </a:ln>
+                <a:solidFill>
+                  <a:srgbClr val="000000"/>
+                </a:solidFill>
+                <a:effectLst/>
+                <a:latin typeface="Courier New" panose="02070309020205020404" pitchFamily="49" charset="0"/>
+              </a:rPr>
+              <a:t>Testing Accuracy 88.52459016393442</a:t>
+            </a:r>
+            <a:r>
+              <a:rPr kumimoji="0" lang="en-US" sz="2000" b="0" i="0" u="none" strike="noStrike" cap="none" normalizeH="0" baseline="0" dirty="0" smtClean="0">
+                <a:ln>
+                  <a:noFill/>
+                </a:ln>
+                <a:solidFill>
+                  <a:schemeClr val="tx1"/>
+                </a:solidFill>
+                <a:effectLst/>
+              </a:rPr>
+              <a:t> </a:t>
+            </a:r>
+            <a:endParaRPr kumimoji="0" lang="en-US" sz="2000" b="0" i="0" u="none" strike="noStrike" cap="none" normalizeH="0" baseline="0" dirty="0" smtClean="0">
+              <a:ln>
+                <a:noFill/>
+              </a:ln>
+              <a:solidFill>
+                <a:schemeClr val="tx1"/>
+              </a:solidFill>
+              <a:effectLst/>
+              <a:latin typeface="Arial" panose="020B0604020202020204" pitchFamily="34" charset="0"/>
+            </a:endParaRPr>
+          </a:p>
+        </p:txBody>
+      </p:sp>
     </p:spTree>
     <p:extLst>
       <p:ext uri="{BB962C8B-B14F-4D97-AF65-F5344CB8AC3E}">
@@ -14615,8 +14771,8 @@
         </p:blipFill>
         <p:spPr>
           <a:xfrm>
-            <a:off x="6390548" y="1487746"/>
-            <a:ext cx="4002703" cy="3019859"/>
+            <a:off x="6261759" y="1487747"/>
+            <a:ext cx="4440584" cy="3290316"/>
           </a:xfrm>
           <a:prstGeom prst="rect">
             <a:avLst/>
@@ -15298,10 +15454,6 @@
               </a:rPr>
               <a:t>Data Visualization</a:t>
             </a:r>
-            <a:endParaRPr lang="en-US" sz="3200" dirty="0">
-              <a:latin typeface="Cambria" panose="02040503050406030204" pitchFamily="18" charset="0"/>
-              <a:ea typeface="Cambria" panose="02040503050406030204" pitchFamily="18" charset="0"/>
-            </a:endParaRPr>
           </a:p>
         </p:txBody>
       </p:sp>
@@ -15468,10 +15620,6 @@
               </a:rPr>
               <a:t>Data Visualization</a:t>
             </a:r>
-            <a:endParaRPr lang="en-US" sz="3200" dirty="0">
-              <a:latin typeface="Cambria" panose="02040503050406030204" pitchFamily="18" charset="0"/>
-              <a:ea typeface="Cambria" panose="02040503050406030204" pitchFamily="18" charset="0"/>
-            </a:endParaRPr>
           </a:p>
         </p:txBody>
       </p:sp>
@@ -15603,10 +15751,6 @@
               </a:rPr>
               <a:t>Data Visualization</a:t>
             </a:r>
-            <a:endParaRPr lang="en-US" sz="3200" dirty="0">
-              <a:latin typeface="Cambria" panose="02040503050406030204" pitchFamily="18" charset="0"/>
-              <a:ea typeface="Cambria" panose="02040503050406030204" pitchFamily="18" charset="0"/>
-            </a:endParaRPr>
           </a:p>
         </p:txBody>
       </p:sp>
@@ -15736,10 +15880,6 @@
               </a:rPr>
               <a:t>Data Visualization</a:t>
             </a:r>
-            <a:endParaRPr lang="en-US" sz="3200" dirty="0">
-              <a:latin typeface="Cambria" panose="02040503050406030204" pitchFamily="18" charset="0"/>
-              <a:ea typeface="Cambria" panose="02040503050406030204" pitchFamily="18" charset="0"/>
-            </a:endParaRPr>
           </a:p>
         </p:txBody>
       </p:sp>
@@ -16002,10 +16142,6 @@
               </a:rPr>
               <a:t>Data Visualization</a:t>
             </a:r>
-            <a:endParaRPr lang="en-US" sz="3200" dirty="0">
-              <a:latin typeface="Cambria" panose="02040503050406030204" pitchFamily="18" charset="0"/>
-              <a:ea typeface="Cambria" panose="02040503050406030204" pitchFamily="18" charset="0"/>
-            </a:endParaRPr>
           </a:p>
         </p:txBody>
       </p:sp>
@@ -16315,10 +16451,6 @@
               </a:rPr>
               <a:t>Data Visualization</a:t>
             </a:r>
-            <a:endParaRPr lang="en-US" sz="3200" dirty="0">
-              <a:latin typeface="Cambria" panose="02040503050406030204" pitchFamily="18" charset="0"/>
-              <a:ea typeface="Cambria" panose="02040503050406030204" pitchFamily="18" charset="0"/>
-            </a:endParaRPr>
           </a:p>
         </p:txBody>
       </p:sp>
